--- a/lines.pptx
+++ b/lines.pptx
@@ -23,6 +23,7 @@
     <p:sldId id="272" r:id="rId17"/>
     <p:sldId id="260" r:id="rId18"/>
     <p:sldId id="273" r:id="rId19"/>
+    <p:sldId id="274" r:id="rId20"/>
   </p:sldIdLst>
   <p:sldSz cx="12192000" cy="6858000"/>
   <p:notesSz cx="6858000" cy="9144000"/>
@@ -121,6 +122,11 @@
       </a:defRPr>
     </a:lvl9pPr>
   </p:defaultTextStyle>
+  <p:extLst>
+    <p:ext uri="{EFAFB233-063F-42B5-8137-9DF3F51BA10A}">
+      <p15:sldGuideLst xmlns:p15="http://schemas.microsoft.com/office/powerpoint/2012/main"/>
+    </p:ext>
+  </p:extLst>
 </p:presentation>
 </file>
 
@@ -271,7 +277,7 @@
           <a:p>
             <a:fld id="{6CD1D8C8-0B81-4867-BF7F-A4563C3E5BB4}" type="datetimeFigureOut">
               <a:rPr lang="en-US" smtClean="0"/>
-              <a:t>10/21/2024</a:t>
+              <a:t>2024-10-27</a:t>
             </a:fld>
             <a:endParaRPr lang="en-US"/>
           </a:p>
@@ -469,7 +475,7 @@
           <a:p>
             <a:fld id="{6CD1D8C8-0B81-4867-BF7F-A4563C3E5BB4}" type="datetimeFigureOut">
               <a:rPr lang="en-US" smtClean="0"/>
-              <a:t>10/21/2024</a:t>
+              <a:t>2024-10-27</a:t>
             </a:fld>
             <a:endParaRPr lang="en-US"/>
           </a:p>
@@ -677,7 +683,7 @@
           <a:p>
             <a:fld id="{6CD1D8C8-0B81-4867-BF7F-A4563C3E5BB4}" type="datetimeFigureOut">
               <a:rPr lang="en-US" smtClean="0"/>
-              <a:t>10/21/2024</a:t>
+              <a:t>2024-10-27</a:t>
             </a:fld>
             <a:endParaRPr lang="en-US"/>
           </a:p>
@@ -875,7 +881,7 @@
           <a:p>
             <a:fld id="{6CD1D8C8-0B81-4867-BF7F-A4563C3E5BB4}" type="datetimeFigureOut">
               <a:rPr lang="en-US" smtClean="0"/>
-              <a:t>10/21/2024</a:t>
+              <a:t>2024-10-27</a:t>
             </a:fld>
             <a:endParaRPr lang="en-US"/>
           </a:p>
@@ -1150,7 +1156,7 @@
           <a:p>
             <a:fld id="{6CD1D8C8-0B81-4867-BF7F-A4563C3E5BB4}" type="datetimeFigureOut">
               <a:rPr lang="en-US" smtClean="0"/>
-              <a:t>10/21/2024</a:t>
+              <a:t>2024-10-27</a:t>
             </a:fld>
             <a:endParaRPr lang="en-US"/>
           </a:p>
@@ -1415,7 +1421,7 @@
           <a:p>
             <a:fld id="{6CD1D8C8-0B81-4867-BF7F-A4563C3E5BB4}" type="datetimeFigureOut">
               <a:rPr lang="en-US" smtClean="0"/>
-              <a:t>10/21/2024</a:t>
+              <a:t>2024-10-27</a:t>
             </a:fld>
             <a:endParaRPr lang="en-US"/>
           </a:p>
@@ -1827,7 +1833,7 @@
           <a:p>
             <a:fld id="{6CD1D8C8-0B81-4867-BF7F-A4563C3E5BB4}" type="datetimeFigureOut">
               <a:rPr lang="en-US" smtClean="0"/>
-              <a:t>10/21/2024</a:t>
+              <a:t>2024-10-27</a:t>
             </a:fld>
             <a:endParaRPr lang="en-US"/>
           </a:p>
@@ -1968,7 +1974,7 @@
           <a:p>
             <a:fld id="{6CD1D8C8-0B81-4867-BF7F-A4563C3E5BB4}" type="datetimeFigureOut">
               <a:rPr lang="en-US" smtClean="0"/>
-              <a:t>10/21/2024</a:t>
+              <a:t>2024-10-27</a:t>
             </a:fld>
             <a:endParaRPr lang="en-US"/>
           </a:p>
@@ -2081,7 +2087,7 @@
           <a:p>
             <a:fld id="{6CD1D8C8-0B81-4867-BF7F-A4563C3E5BB4}" type="datetimeFigureOut">
               <a:rPr lang="en-US" smtClean="0"/>
-              <a:t>10/21/2024</a:t>
+              <a:t>2024-10-27</a:t>
             </a:fld>
             <a:endParaRPr lang="en-US"/>
           </a:p>
@@ -2392,7 +2398,7 @@
           <a:p>
             <a:fld id="{6CD1D8C8-0B81-4867-BF7F-A4563C3E5BB4}" type="datetimeFigureOut">
               <a:rPr lang="en-US" smtClean="0"/>
-              <a:t>10/21/2024</a:t>
+              <a:t>2024-10-27</a:t>
             </a:fld>
             <a:endParaRPr lang="en-US"/>
           </a:p>
@@ -2680,7 +2686,7 @@
           <a:p>
             <a:fld id="{6CD1D8C8-0B81-4867-BF7F-A4563C3E5BB4}" type="datetimeFigureOut">
               <a:rPr lang="en-US" smtClean="0"/>
-              <a:t>10/21/2024</a:t>
+              <a:t>2024-10-27</a:t>
             </a:fld>
             <a:endParaRPr lang="en-US"/>
           </a:p>
@@ -2921,7 +2927,7 @@
           <a:p>
             <a:fld id="{6CD1D8C8-0B81-4867-BF7F-A4563C3E5BB4}" type="datetimeFigureOut">
               <a:rPr lang="en-US" smtClean="0"/>
-              <a:t>10/21/2024</a:t>
+              <a:t>2024-10-27</a:t>
             </a:fld>
             <a:endParaRPr lang="en-US"/>
           </a:p>
@@ -4234,6 +4240,97 @@
     <p:extLst>
       <p:ext uri="{BB962C8B-B14F-4D97-AF65-F5344CB8AC3E}">
         <p14:creationId xmlns:p14="http://schemas.microsoft.com/office/powerpoint/2010/main" val="2803663163"/>
+      </p:ext>
+    </p:extLst>
+  </p:cSld>
+  <p:clrMapOvr>
+    <a:masterClrMapping/>
+  </p:clrMapOvr>
+</p:sld>
+</file>
+
+<file path=ppt/slides/slide19.xml><?xml version="1.0" encoding="utf-8"?>
+<p:sld xmlns:a="http://schemas.openxmlformats.org/drawingml/2006/main" xmlns:r="http://schemas.openxmlformats.org/officeDocument/2006/relationships" xmlns:p="http://schemas.openxmlformats.org/presentationml/2006/main">
+  <p:cSld>
+    <p:spTree>
+      <p:nvGrpSpPr>
+        <p:cNvPr id="1" name="">
+          <a:extLst>
+            <a:ext uri="{FF2B5EF4-FFF2-40B4-BE49-F238E27FC236}">
+              <a16:creationId xmlns:a16="http://schemas.microsoft.com/office/drawing/2014/main" id="{FF41AFF3-76F0-56F8-2232-9132B4C968E6}"/>
+            </a:ext>
+          </a:extLst>
+        </p:cNvPr>
+        <p:cNvGrpSpPr/>
+        <p:nvPr/>
+      </p:nvGrpSpPr>
+      <p:grpSpPr>
+        <a:xfrm>
+          <a:off x="0" y="0"/>
+          <a:ext cx="0" cy="0"/>
+          <a:chOff x="0" y="0"/>
+          <a:chExt cx="0" cy="0"/>
+        </a:xfrm>
+      </p:grpSpPr>
+      <p:sp>
+        <p:nvSpPr>
+          <p:cNvPr id="2" name="Rectangle: Rounded Corners 1">
+            <a:extLst>
+              <a:ext uri="{FF2B5EF4-FFF2-40B4-BE49-F238E27FC236}">
+                <a16:creationId xmlns:a16="http://schemas.microsoft.com/office/drawing/2014/main" id="{590DB49A-20DC-C4B6-9EED-9884FEAD49EE}"/>
+              </a:ext>
+            </a:extLst>
+          </p:cNvPr>
+          <p:cNvSpPr/>
+          <p:nvPr/>
+        </p:nvSpPr>
+        <p:spPr>
+          <a:xfrm>
+            <a:off x="-1" y="1328057"/>
+            <a:ext cx="4186519" cy="1230858"/>
+          </a:xfrm>
+          <a:prstGeom prst="roundRect">
+            <a:avLst/>
+          </a:prstGeom>
+          <a:solidFill>
+            <a:schemeClr val="tx1"/>
+          </a:solidFill>
+        </p:spPr>
+        <p:style>
+          <a:lnRef idx="2">
+            <a:schemeClr val="accent1">
+              <a:shade val="15000"/>
+            </a:schemeClr>
+          </a:lnRef>
+          <a:fillRef idx="1">
+            <a:schemeClr val="accent1"/>
+          </a:fillRef>
+          <a:effectRef idx="0">
+            <a:schemeClr val="accent1"/>
+          </a:effectRef>
+          <a:fontRef idx="minor">
+            <a:schemeClr val="lt1"/>
+          </a:fontRef>
+        </p:style>
+        <p:txBody>
+          <a:bodyPr rtlCol="0" anchor="ctr"/>
+          <a:lstStyle/>
+          <a:p>
+            <a:pPr algn="ctr"/>
+            <a:r>
+              <a:rPr lang="en-US" sz="6600" dirty="0">
+                <a:latin typeface="Arial" panose="020B0604020202020204" pitchFamily="34" charset="0"/>
+                <a:cs typeface="Arial" panose="020B0604020202020204" pitchFamily="34" charset="0"/>
+              </a:rPr>
+              <a:t>City Circle</a:t>
+            </a:r>
+          </a:p>
+        </p:txBody>
+      </p:sp>
+    </p:spTree>
+    <p:extLst>
+      <p:ext uri="{BB962C8B-B14F-4D97-AF65-F5344CB8AC3E}">
+        <p14:creationId xmlns:p14="http://schemas.microsoft.com/office/powerpoint/2010/main" val="3488651827"/>
       </p:ext>
     </p:extLst>
   </p:cSld>
